--- a/Радиация.pptx
+++ b/Радиация.pptx
@@ -6,6 +6,15 @@
   </p:sldMasterIdLst>
   <p:sldIdLst>
     <p:sldId id="256" r:id="rId2"/>
+    <p:sldId id="258" r:id="rId3"/>
+    <p:sldId id="257" r:id="rId4"/>
+    <p:sldId id="259" r:id="rId5"/>
+    <p:sldId id="260" r:id="rId6"/>
+    <p:sldId id="261" r:id="rId7"/>
+    <p:sldId id="262" r:id="rId8"/>
+    <p:sldId id="263" r:id="rId9"/>
+    <p:sldId id="264" r:id="rId10"/>
+    <p:sldId id="265" r:id="rId11"/>
   </p:sldIdLst>
   <p:sldSz cx="9144000" cy="6858000" type="screen4x3"/>
   <p:notesSz cx="6858000" cy="9144000"/>
@@ -291,7 +300,7 @@
               <a:pPr/>
               <a:t>29.03.2022</a:t>
             </a:fld>
-            <a:endParaRPr lang="ru-RU"/>
+            <a:endParaRPr lang="ru-RU" dirty="0"/>
           </a:p>
         </p:txBody>
       </p:sp>
@@ -310,7 +319,7 @@
           <a:bodyPr/>
           <a:lstStyle/>
           <a:p>
-            <a:endParaRPr lang="ru-RU"/>
+            <a:endParaRPr lang="ru-RU" dirty="0"/>
           </a:p>
         </p:txBody>
       </p:sp>
@@ -334,7 +343,7 @@
               <a:pPr/>
               <a:t>‹#›</a:t>
             </a:fld>
-            <a:endParaRPr lang="ru-RU"/>
+            <a:endParaRPr lang="ru-RU" dirty="0"/>
           </a:p>
         </p:txBody>
       </p:sp>
@@ -458,7 +467,7 @@
               <a:pPr/>
               <a:t>29.03.2022</a:t>
             </a:fld>
-            <a:endParaRPr lang="ru-RU"/>
+            <a:endParaRPr lang="ru-RU" dirty="0"/>
           </a:p>
         </p:txBody>
       </p:sp>
@@ -477,7 +486,7 @@
           <a:bodyPr/>
           <a:lstStyle/>
           <a:p>
-            <a:endParaRPr lang="ru-RU"/>
+            <a:endParaRPr lang="ru-RU" dirty="0"/>
           </a:p>
         </p:txBody>
       </p:sp>
@@ -501,7 +510,7 @@
               <a:pPr/>
               <a:t>‹#›</a:t>
             </a:fld>
-            <a:endParaRPr lang="ru-RU"/>
+            <a:endParaRPr lang="ru-RU" dirty="0"/>
           </a:p>
         </p:txBody>
       </p:sp>
@@ -635,7 +644,7 @@
               <a:pPr/>
               <a:t>29.03.2022</a:t>
             </a:fld>
-            <a:endParaRPr lang="ru-RU"/>
+            <a:endParaRPr lang="ru-RU" dirty="0"/>
           </a:p>
         </p:txBody>
       </p:sp>
@@ -654,7 +663,7 @@
           <a:bodyPr/>
           <a:lstStyle/>
           <a:p>
-            <a:endParaRPr lang="ru-RU"/>
+            <a:endParaRPr lang="ru-RU" dirty="0"/>
           </a:p>
         </p:txBody>
       </p:sp>
@@ -678,7 +687,7 @@
               <a:pPr/>
               <a:t>‹#›</a:t>
             </a:fld>
-            <a:endParaRPr lang="ru-RU"/>
+            <a:endParaRPr lang="ru-RU" dirty="0"/>
           </a:p>
         </p:txBody>
       </p:sp>
@@ -802,7 +811,7 @@
               <a:pPr/>
               <a:t>29.03.2022</a:t>
             </a:fld>
-            <a:endParaRPr lang="ru-RU"/>
+            <a:endParaRPr lang="ru-RU" dirty="0"/>
           </a:p>
         </p:txBody>
       </p:sp>
@@ -821,7 +830,7 @@
           <a:bodyPr/>
           <a:lstStyle/>
           <a:p>
-            <a:endParaRPr lang="ru-RU"/>
+            <a:endParaRPr lang="ru-RU" dirty="0"/>
           </a:p>
         </p:txBody>
       </p:sp>
@@ -845,7 +854,7 @@
               <a:pPr/>
               <a:t>‹#›</a:t>
             </a:fld>
-            <a:endParaRPr lang="ru-RU"/>
+            <a:endParaRPr lang="ru-RU" dirty="0"/>
           </a:p>
         </p:txBody>
       </p:sp>
@@ -1045,7 +1054,7 @@
               <a:pPr/>
               <a:t>29.03.2022</a:t>
             </a:fld>
-            <a:endParaRPr lang="ru-RU"/>
+            <a:endParaRPr lang="ru-RU" dirty="0"/>
           </a:p>
         </p:txBody>
       </p:sp>
@@ -1064,7 +1073,7 @@
           <a:bodyPr/>
           <a:lstStyle/>
           <a:p>
-            <a:endParaRPr lang="ru-RU"/>
+            <a:endParaRPr lang="ru-RU" dirty="0"/>
           </a:p>
         </p:txBody>
       </p:sp>
@@ -1088,7 +1097,7 @@
               <a:pPr/>
               <a:t>‹#›</a:t>
             </a:fld>
-            <a:endParaRPr lang="ru-RU"/>
+            <a:endParaRPr lang="ru-RU" dirty="0"/>
           </a:p>
         </p:txBody>
       </p:sp>
@@ -1330,7 +1339,7 @@
               <a:pPr/>
               <a:t>29.03.2022</a:t>
             </a:fld>
-            <a:endParaRPr lang="ru-RU"/>
+            <a:endParaRPr lang="ru-RU" dirty="0"/>
           </a:p>
         </p:txBody>
       </p:sp>
@@ -1349,7 +1358,7 @@
           <a:bodyPr/>
           <a:lstStyle/>
           <a:p>
-            <a:endParaRPr lang="ru-RU"/>
+            <a:endParaRPr lang="ru-RU" dirty="0"/>
           </a:p>
         </p:txBody>
       </p:sp>
@@ -1373,7 +1382,7 @@
               <a:pPr/>
               <a:t>‹#›</a:t>
             </a:fld>
-            <a:endParaRPr lang="ru-RU"/>
+            <a:endParaRPr lang="ru-RU" dirty="0"/>
           </a:p>
         </p:txBody>
       </p:sp>
@@ -1749,7 +1758,7 @@
               <a:pPr/>
               <a:t>29.03.2022</a:t>
             </a:fld>
-            <a:endParaRPr lang="ru-RU"/>
+            <a:endParaRPr lang="ru-RU" dirty="0"/>
           </a:p>
         </p:txBody>
       </p:sp>
@@ -1768,7 +1777,7 @@
           <a:bodyPr/>
           <a:lstStyle/>
           <a:p>
-            <a:endParaRPr lang="ru-RU"/>
+            <a:endParaRPr lang="ru-RU" dirty="0"/>
           </a:p>
         </p:txBody>
       </p:sp>
@@ -1792,7 +1801,7 @@
               <a:pPr/>
               <a:t>‹#›</a:t>
             </a:fld>
-            <a:endParaRPr lang="ru-RU"/>
+            <a:endParaRPr lang="ru-RU" dirty="0"/>
           </a:p>
         </p:txBody>
       </p:sp>
@@ -1864,7 +1873,7 @@
               <a:pPr/>
               <a:t>29.03.2022</a:t>
             </a:fld>
-            <a:endParaRPr lang="ru-RU"/>
+            <a:endParaRPr lang="ru-RU" dirty="0"/>
           </a:p>
         </p:txBody>
       </p:sp>
@@ -1883,7 +1892,7 @@
           <a:bodyPr/>
           <a:lstStyle/>
           <a:p>
-            <a:endParaRPr lang="ru-RU"/>
+            <a:endParaRPr lang="ru-RU" dirty="0"/>
           </a:p>
         </p:txBody>
       </p:sp>
@@ -1907,7 +1916,7 @@
               <a:pPr/>
               <a:t>‹#›</a:t>
             </a:fld>
-            <a:endParaRPr lang="ru-RU"/>
+            <a:endParaRPr lang="ru-RU" dirty="0"/>
           </a:p>
         </p:txBody>
       </p:sp>
@@ -1956,7 +1965,7 @@
               <a:pPr/>
               <a:t>29.03.2022</a:t>
             </a:fld>
-            <a:endParaRPr lang="ru-RU"/>
+            <a:endParaRPr lang="ru-RU" dirty="0"/>
           </a:p>
         </p:txBody>
       </p:sp>
@@ -1975,7 +1984,7 @@
           <a:bodyPr/>
           <a:lstStyle/>
           <a:p>
-            <a:endParaRPr lang="ru-RU"/>
+            <a:endParaRPr lang="ru-RU" dirty="0"/>
           </a:p>
         </p:txBody>
       </p:sp>
@@ -1999,7 +2008,7 @@
               <a:pPr/>
               <a:t>‹#›</a:t>
             </a:fld>
-            <a:endParaRPr lang="ru-RU"/>
+            <a:endParaRPr lang="ru-RU" dirty="0"/>
           </a:p>
         </p:txBody>
       </p:sp>
@@ -2230,7 +2239,7 @@
               <a:pPr/>
               <a:t>29.03.2022</a:t>
             </a:fld>
-            <a:endParaRPr lang="ru-RU"/>
+            <a:endParaRPr lang="ru-RU" dirty="0"/>
           </a:p>
         </p:txBody>
       </p:sp>
@@ -2249,7 +2258,7 @@
           <a:bodyPr/>
           <a:lstStyle/>
           <a:p>
-            <a:endParaRPr lang="ru-RU"/>
+            <a:endParaRPr lang="ru-RU" dirty="0"/>
           </a:p>
         </p:txBody>
       </p:sp>
@@ -2273,7 +2282,7 @@
               <a:pPr/>
               <a:t>‹#›</a:t>
             </a:fld>
-            <a:endParaRPr lang="ru-RU"/>
+            <a:endParaRPr lang="ru-RU" dirty="0"/>
           </a:p>
         </p:txBody>
       </p:sp>
@@ -2391,7 +2400,7 @@
             </a:lvl9pPr>
           </a:lstStyle>
           <a:p>
-            <a:endParaRPr lang="ru-RU"/>
+            <a:endParaRPr lang="ru-RU" dirty="0"/>
           </a:p>
         </p:txBody>
       </p:sp>
@@ -2480,7 +2489,7 @@
               <a:pPr/>
               <a:t>29.03.2022</a:t>
             </a:fld>
-            <a:endParaRPr lang="ru-RU"/>
+            <a:endParaRPr lang="ru-RU" dirty="0"/>
           </a:p>
         </p:txBody>
       </p:sp>
@@ -2499,7 +2508,7 @@
           <a:bodyPr/>
           <a:lstStyle/>
           <a:p>
-            <a:endParaRPr lang="ru-RU"/>
+            <a:endParaRPr lang="ru-RU" dirty="0"/>
           </a:p>
         </p:txBody>
       </p:sp>
@@ -2523,7 +2532,7 @@
               <a:pPr/>
               <a:t>‹#›</a:t>
             </a:fld>
-            <a:endParaRPr lang="ru-RU"/>
+            <a:endParaRPr lang="ru-RU" dirty="0"/>
           </a:p>
         </p:txBody>
       </p:sp>
@@ -2540,7 +2549,7 @@
   <p:cSld>
     <p:bg>
       <p:bgRef idx="1003">
-        <a:schemeClr val="bg2"/>
+        <a:schemeClr val="bg1"/>
       </p:bgRef>
     </p:bg>
     <p:spTree>
@@ -2690,7 +2699,7 @@
               <a:pPr/>
               <a:t>29.03.2022</a:t>
             </a:fld>
-            <a:endParaRPr lang="ru-RU"/>
+            <a:endParaRPr lang="ru-RU" dirty="0"/>
           </a:p>
         </p:txBody>
       </p:sp>
@@ -2727,7 +2736,7 @@
             </a:lvl1pPr>
           </a:lstStyle>
           <a:p>
-            <a:endParaRPr lang="ru-RU"/>
+            <a:endParaRPr lang="ru-RU" dirty="0"/>
           </a:p>
         </p:txBody>
       </p:sp>
@@ -2769,7 +2778,7 @@
               <a:pPr/>
               <a:t>‹#›</a:t>
             </a:fld>
-            <a:endParaRPr lang="ru-RU"/>
+            <a:endParaRPr lang="ru-RU" dirty="0"/>
           </a:p>
         </p:txBody>
       </p:sp>
@@ -3045,6 +3054,34 @@
 <file path=ppt/slides/slide1.xml><?xml version="1.0" encoding="utf-8"?>
 <p:sld xmlns:a="http://schemas.openxmlformats.org/drawingml/2006/main" xmlns:r="http://schemas.openxmlformats.org/officeDocument/2006/relationships" xmlns:p="http://schemas.openxmlformats.org/presentationml/2006/main">
   <p:cSld>
+    <p:bg>
+      <p:bgPr>
+        <a:gradFill rotWithShape="1">
+          <a:gsLst>
+            <a:gs pos="0">
+              <a:srgbClr val="FFFFFF"/>
+            </a:gs>
+            <a:gs pos="7001">
+              <a:srgbClr val="E6E6E6"/>
+            </a:gs>
+            <a:gs pos="32001">
+              <a:srgbClr val="7D8496"/>
+            </a:gs>
+            <a:gs pos="47000">
+              <a:srgbClr val="E6E6E6"/>
+            </a:gs>
+            <a:gs pos="85001">
+              <a:srgbClr val="7D8496"/>
+            </a:gs>
+            <a:gs pos="100000">
+              <a:srgbClr val="E6E6E6"/>
+            </a:gs>
+          </a:gsLst>
+          <a:lin ang="5400000" scaled="0"/>
+        </a:gradFill>
+        <a:effectLst/>
+      </p:bgPr>
+    </p:bg>
     <p:spTree>
       <p:nvGrpSpPr>
         <p:cNvPr id="1" name=""/>
@@ -3143,23 +3180,1046 @@
           <a:p>
             <a:r>
               <a:rPr lang="ru-RU" b="1" dirty="0" smtClean="0"/>
-              <a:t>Рябцев </a:t>
-            </a:r>
+              <a:t>Рябцев Кирилл </a:t>
+            </a:r>
+          </a:p>
+          <a:p>
             <a:r>
               <a:rPr lang="ru-RU" b="1" dirty="0" smtClean="0"/>
-              <a:t>Кирилл </a:t>
-            </a:r>
-            <a:endParaRPr lang="ru-RU" b="1" dirty="0" smtClean="0"/>
-          </a:p>
+              <a:t>10 класс</a:t>
+            </a:r>
+            <a:endParaRPr lang="ru-RU" dirty="0"/>
+          </a:p>
+        </p:txBody>
+      </p:sp>
+    </p:spTree>
+  </p:cSld>
+  <p:clrMapOvr>
+    <a:masterClrMapping/>
+  </p:clrMapOvr>
+</p:sld>
+</file>
+
+<file path=ppt/slides/slide10.xml><?xml version="1.0" encoding="utf-8"?>
+<p:sld xmlns:a="http://schemas.openxmlformats.org/drawingml/2006/main" xmlns:r="http://schemas.openxmlformats.org/officeDocument/2006/relationships" xmlns:p="http://schemas.openxmlformats.org/presentationml/2006/main">
+  <p:cSld>
+    <p:spTree>
+      <p:nvGrpSpPr>
+        <p:cNvPr id="1" name=""/>
+        <p:cNvGrpSpPr/>
+        <p:nvPr/>
+      </p:nvGrpSpPr>
+      <p:grpSpPr>
+        <a:xfrm>
+          <a:off x="0" y="0"/>
+          <a:ext cx="0" cy="0"/>
+          <a:chOff x="0" y="0"/>
+          <a:chExt cx="0" cy="0"/>
+        </a:xfrm>
+      </p:grpSpPr>
+      <p:sp>
+        <p:nvSpPr>
+          <p:cNvPr id="2" name="Заголовок 1"/>
+          <p:cNvSpPr>
+            <a:spLocks noGrp="1"/>
+          </p:cNvSpPr>
+          <p:nvPr>
+            <p:ph type="title"/>
+          </p:nvPr>
+        </p:nvSpPr>
+        <p:spPr/>
+        <p:txBody>
+          <a:bodyPr/>
+          <a:lstStyle/>
+          <a:p>
+            <a:r>
+              <a:rPr lang="ru-RU" dirty="0" smtClean="0"/>
+              <a:t>Список литературы</a:t>
+            </a:r>
+            <a:endParaRPr lang="ru-RU" dirty="0"/>
+          </a:p>
+        </p:txBody>
+      </p:sp>
+      <p:sp>
+        <p:nvSpPr>
+          <p:cNvPr id="3" name="Содержимое 2"/>
+          <p:cNvSpPr>
+            <a:spLocks noGrp="1"/>
+          </p:cNvSpPr>
+          <p:nvPr>
+            <p:ph idx="1"/>
+          </p:nvPr>
+        </p:nvSpPr>
+        <p:spPr/>
+        <p:txBody>
+          <a:bodyPr>
+            <a:normAutofit fontScale="62500" lnSpcReduction="20000"/>
+          </a:bodyPr>
+          <a:lstStyle/>
+          <a:p>
+            <a:pPr lvl="0"/>
+            <a:r>
+              <a:rPr lang="ru-RU" dirty="0" smtClean="0"/>
+              <a:t>Радиация. Дозы, эффекты, риск / Пер. с англ. Ю.А. Банникова - М.: Мир, 1990.-79 с</a:t>
+            </a:r>
+          </a:p>
+          <a:p>
+            <a:pPr lvl="0"/>
+            <a:r>
+              <a:rPr lang="ru-RU" dirty="0" smtClean="0"/>
+              <a:t>Иванов, В.К. Ликвидаторы. Радиологические последствия Чернобыля   </a:t>
+            </a:r>
+          </a:p>
+          <a:p>
+            <a:r>
+              <a:rPr lang="ru-RU" dirty="0" smtClean="0"/>
+              <a:t>/ В.К.Иванов - Центр содействия социально-экологическим инициативам атомной отрасли, 2010. - 33с</a:t>
+            </a:r>
+          </a:p>
+          <a:p>
+            <a:pPr lvl="0"/>
+            <a:r>
+              <a:rPr lang="ru-RU" dirty="0" smtClean="0"/>
+              <a:t>Ильин, Л.А. Радиационная гигиена / Л.А. Ильин, В.Ф. Кирилов, И.П. </a:t>
+            </a:r>
+            <a:r>
+              <a:rPr lang="ru-RU" dirty="0" err="1" smtClean="0"/>
+              <a:t>Коренков</a:t>
+            </a:r>
+            <a:r>
+              <a:rPr lang="ru-RU" dirty="0" smtClean="0"/>
+              <a:t> </a:t>
+            </a:r>
+          </a:p>
+          <a:p>
+            <a:r>
+              <a:rPr lang="ru-RU" dirty="0" smtClean="0"/>
+              <a:t>- </a:t>
+            </a:r>
+            <a:r>
+              <a:rPr lang="ru-RU" dirty="0" err="1" smtClean="0"/>
+              <a:t>ГЭОТАР-Медиа</a:t>
+            </a:r>
+            <a:r>
+              <a:rPr lang="ru-RU" dirty="0" smtClean="0"/>
+              <a:t>, 2010. - 230с</a:t>
+            </a:r>
+          </a:p>
+          <a:p>
+            <a:pPr lvl="0"/>
+            <a:r>
+              <a:rPr lang="ru-RU" dirty="0" smtClean="0"/>
+              <a:t>Бабаев, Н.С. Ядерная энергетика, человек и окружающая среда / Н.С. Бабаев, </a:t>
+            </a:r>
+          </a:p>
+          <a:p>
+            <a:r>
+              <a:rPr lang="ru-RU" dirty="0" smtClean="0"/>
+              <a:t>В.Ф. Демин, Л.А. Ильин, В.А. Книжников, И.И. Кузьмин, В.А. </a:t>
+            </a:r>
+            <a:r>
+              <a:rPr lang="ru-RU" dirty="0" err="1" smtClean="0"/>
+              <a:t>Легасов</a:t>
+            </a:r>
+            <a:r>
+              <a:rPr lang="ru-RU" dirty="0" smtClean="0"/>
+              <a:t>,</a:t>
+            </a:r>
+          </a:p>
+          <a:p>
+            <a:r>
+              <a:rPr lang="ru-RU" dirty="0" smtClean="0"/>
+              <a:t>Ю.В. </a:t>
+            </a:r>
+            <a:r>
+              <a:rPr lang="ru-RU" dirty="0" err="1" smtClean="0"/>
+              <a:t>Сивинцев</a:t>
+            </a:r>
+            <a:r>
+              <a:rPr lang="ru-RU" dirty="0" smtClean="0"/>
+              <a:t> - Издание второе, переработанное и дополненное - Москва </a:t>
+            </a:r>
+            <a:r>
+              <a:rPr lang="ru-RU" dirty="0" err="1" smtClean="0"/>
+              <a:t>Энергоатомиздат</a:t>
+            </a:r>
+            <a:r>
+              <a:rPr lang="ru-RU" dirty="0" smtClean="0"/>
+              <a:t>, 1984. - 312с</a:t>
+            </a:r>
+          </a:p>
+          <a:p>
+            <a:endParaRPr lang="ru-RU" dirty="0"/>
+          </a:p>
+        </p:txBody>
+      </p:sp>
+    </p:spTree>
+  </p:cSld>
+  <p:clrMapOvr>
+    <a:masterClrMapping/>
+  </p:clrMapOvr>
+</p:sld>
+</file>
+
+<file path=ppt/slides/slide2.xml><?xml version="1.0" encoding="utf-8"?>
+<p:sld xmlns:a="http://schemas.openxmlformats.org/drawingml/2006/main" xmlns:r="http://schemas.openxmlformats.org/officeDocument/2006/relationships" xmlns:p="http://schemas.openxmlformats.org/presentationml/2006/main">
+  <p:cSld>
+    <p:spTree>
+      <p:nvGrpSpPr>
+        <p:cNvPr id="1" name=""/>
+        <p:cNvGrpSpPr/>
+        <p:nvPr/>
+      </p:nvGrpSpPr>
+      <p:grpSpPr>
+        <a:xfrm>
+          <a:off x="0" y="0"/>
+          <a:ext cx="0" cy="0"/>
+          <a:chOff x="0" y="0"/>
+          <a:chExt cx="0" cy="0"/>
+        </a:xfrm>
+      </p:grpSpPr>
+      <p:sp>
+        <p:nvSpPr>
+          <p:cNvPr id="2" name="Заголовок 1"/>
+          <p:cNvSpPr>
+            <a:spLocks noGrp="1"/>
+          </p:cNvSpPr>
+          <p:nvPr>
+            <p:ph type="title"/>
+          </p:nvPr>
+        </p:nvSpPr>
+        <p:spPr/>
+        <p:txBody>
+          <a:bodyPr/>
+          <a:lstStyle/>
+          <a:p>
+            <a:r>
+              <a:rPr lang="ru-RU" dirty="0" smtClean="0"/>
+              <a:t>Цели и задачи</a:t>
+            </a:r>
+            <a:endParaRPr lang="ru-RU" dirty="0"/>
+          </a:p>
+        </p:txBody>
+      </p:sp>
+      <p:sp>
+        <p:nvSpPr>
+          <p:cNvPr id="3" name="Содержимое 2"/>
+          <p:cNvSpPr>
+            <a:spLocks noGrp="1"/>
+          </p:cNvSpPr>
+          <p:nvPr>
+            <p:ph idx="1"/>
+          </p:nvPr>
+        </p:nvSpPr>
+        <p:spPr/>
+        <p:txBody>
+          <a:bodyPr/>
+          <a:lstStyle/>
           <a:p>
             <a:r>
               <a:rPr lang="ru-RU" b="1" dirty="0" smtClean="0"/>
-              <a:t>10 </a:t>
-            </a:r>
+              <a:t>Практической целью</a:t>
+            </a:r>
+            <a:r>
+              <a:rPr lang="ru-RU" dirty="0" smtClean="0"/>
+              <a:t> моей работы в данном проекте будет измерение радиационного фона в Кузьмичевской школе. </a:t>
+            </a:r>
+          </a:p>
+          <a:p>
             <a:r>
               <a:rPr lang="ru-RU" b="1" dirty="0" smtClean="0"/>
-              <a:t>класс</a:t>
-            </a:r>
+              <a:t>Задачи</a:t>
+            </a:r>
+            <a:r>
+              <a:rPr lang="ru-RU" dirty="0" smtClean="0"/>
+              <a:t>: ознакомиться с понятием радиации и ее основами, а также научиться пользоваться прибором для измерения радиации.</a:t>
+            </a:r>
+          </a:p>
+          <a:p>
+            <a:endParaRPr lang="ru-RU" dirty="0"/>
+          </a:p>
+        </p:txBody>
+      </p:sp>
+    </p:spTree>
+  </p:cSld>
+  <p:clrMapOvr>
+    <a:masterClrMapping/>
+  </p:clrMapOvr>
+</p:sld>
+</file>
+
+<file path=ppt/slides/slide3.xml><?xml version="1.0" encoding="utf-8"?>
+<p:sld xmlns:a="http://schemas.openxmlformats.org/drawingml/2006/main" xmlns:r="http://schemas.openxmlformats.org/officeDocument/2006/relationships" xmlns:p="http://schemas.openxmlformats.org/presentationml/2006/main">
+  <p:cSld>
+    <p:spTree>
+      <p:nvGrpSpPr>
+        <p:cNvPr id="1" name=""/>
+        <p:cNvGrpSpPr/>
+        <p:nvPr/>
+      </p:nvGrpSpPr>
+      <p:grpSpPr>
+        <a:xfrm>
+          <a:off x="0" y="0"/>
+          <a:ext cx="0" cy="0"/>
+          <a:chOff x="0" y="0"/>
+          <a:chExt cx="0" cy="0"/>
+        </a:xfrm>
+      </p:grpSpPr>
+      <p:sp>
+        <p:nvSpPr>
+          <p:cNvPr id="3" name="Содержимое 2"/>
+          <p:cNvSpPr>
+            <a:spLocks noGrp="1"/>
+          </p:cNvSpPr>
+          <p:nvPr>
+            <p:ph idx="1"/>
+          </p:nvPr>
+        </p:nvSpPr>
+        <p:spPr>
+          <a:xfrm>
+            <a:off x="648072" y="1340768"/>
+            <a:ext cx="8028384" cy="4320480"/>
+          </a:xfrm>
+        </p:spPr>
+        <p:txBody>
+          <a:bodyPr>
+            <a:normAutofit fontScale="92500"/>
+          </a:bodyPr>
+          <a:lstStyle/>
+          <a:p>
+            <a:r>
+              <a:rPr lang="ru-RU" b="1" dirty="0" smtClean="0"/>
+              <a:t>Радиация</a:t>
+            </a:r>
+            <a:r>
+              <a:rPr lang="ru-RU" dirty="0" smtClean="0"/>
+              <a:t> - это процесс излучения веществом заряженных элементарных частиц, в виде электронов, протонов, нейтронов, атомов гелия или фотонов и мюонов. </a:t>
+            </a:r>
+            <a:endParaRPr lang="ru-RU" dirty="0" smtClean="0"/>
+          </a:p>
+          <a:p>
+            <a:r>
+              <a:rPr lang="ru-RU" i="1" dirty="0" smtClean="0"/>
+              <a:t>Ионизация</a:t>
+            </a:r>
+            <a:r>
+              <a:rPr lang="ru-RU" dirty="0" smtClean="0"/>
+              <a:t> - это процесс образования положительно или отрицательно заряженных ионов или свободных электронов из нейтрально заряженных атомов или молекул.</a:t>
+            </a:r>
+          </a:p>
+          <a:p>
+            <a:endParaRPr lang="ru-RU" dirty="0"/>
+          </a:p>
+        </p:txBody>
+      </p:sp>
+      <p:sp>
+        <p:nvSpPr>
+          <p:cNvPr id="2" name="Заголовок 1"/>
+          <p:cNvSpPr>
+            <a:spLocks noGrp="1"/>
+          </p:cNvSpPr>
+          <p:nvPr>
+            <p:ph type="title"/>
+          </p:nvPr>
+        </p:nvSpPr>
+        <p:spPr/>
+        <p:txBody>
+          <a:bodyPr/>
+          <a:lstStyle/>
+          <a:p>
+            <a:r>
+              <a:rPr lang="ru-RU" dirty="0" smtClean="0"/>
+              <a:t>Основная часть</a:t>
+            </a:r>
+            <a:endParaRPr lang="ru-RU" dirty="0"/>
+          </a:p>
+        </p:txBody>
+      </p:sp>
+    </p:spTree>
+  </p:cSld>
+  <p:clrMapOvr>
+    <a:masterClrMapping/>
+  </p:clrMapOvr>
+</p:sld>
+</file>
+
+<file path=ppt/slides/slide4.xml><?xml version="1.0" encoding="utf-8"?>
+<p:sld xmlns:a="http://schemas.openxmlformats.org/drawingml/2006/main" xmlns:r="http://schemas.openxmlformats.org/officeDocument/2006/relationships" xmlns:p="http://schemas.openxmlformats.org/presentationml/2006/main">
+  <p:cSld>
+    <p:spTree>
+      <p:nvGrpSpPr>
+        <p:cNvPr id="1" name=""/>
+        <p:cNvGrpSpPr/>
+        <p:nvPr/>
+      </p:nvGrpSpPr>
+      <p:grpSpPr>
+        <a:xfrm>
+          <a:off x="0" y="0"/>
+          <a:ext cx="0" cy="0"/>
+          <a:chOff x="0" y="0"/>
+          <a:chExt cx="0" cy="0"/>
+        </a:xfrm>
+      </p:grpSpPr>
+      <p:sp>
+        <p:nvSpPr>
+          <p:cNvPr id="3" name="Содержимое 2"/>
+          <p:cNvSpPr>
+            <a:spLocks noGrp="1"/>
+          </p:cNvSpPr>
+          <p:nvPr>
+            <p:ph idx="1"/>
+          </p:nvPr>
+        </p:nvSpPr>
+        <p:spPr>
+          <a:xfrm>
+            <a:off x="457200" y="476672"/>
+            <a:ext cx="8229600" cy="5832648"/>
+          </a:xfrm>
+        </p:spPr>
+        <p:txBody>
+          <a:bodyPr>
+            <a:normAutofit fontScale="92500" lnSpcReduction="20000"/>
+          </a:bodyPr>
+          <a:lstStyle/>
+          <a:p>
+            <a:r>
+              <a:rPr lang="ru-RU" i="1" dirty="0" smtClean="0"/>
+              <a:t>Радиоактивное (ионизирующее) излучение</a:t>
+            </a:r>
+            <a:r>
+              <a:rPr lang="ru-RU" dirty="0" smtClean="0"/>
+              <a:t> можно разделить на несколько типов, в зависимости от вида элементов из которого оно состоит. Разные виды излучения вызваны различными микрочастицами и поэтому обладают разным энергетическим воздействие на вещество, разной способностью проникать сквозь него и как следствие различным биологическим действием радиации.</a:t>
+            </a:r>
+          </a:p>
+          <a:p>
+            <a:r>
+              <a:rPr lang="ru-RU" i="1" dirty="0" smtClean="0"/>
+              <a:t>Альфа, бета и нейтронное излучение</a:t>
+            </a:r>
+            <a:r>
+              <a:rPr lang="ru-RU" dirty="0" smtClean="0"/>
+              <a:t> - это излучения, состоящие из различных частиц атомов</a:t>
+            </a:r>
+            <a:r>
+              <a:rPr lang="ru-RU" dirty="0" smtClean="0"/>
+              <a:t>.</a:t>
+            </a:r>
+          </a:p>
+          <a:p>
+            <a:r>
+              <a:rPr lang="ru-RU" i="1" dirty="0" smtClean="0"/>
+              <a:t>Гамма и рентгеновское излучение</a:t>
+            </a:r>
+            <a:r>
+              <a:rPr lang="ru-RU" dirty="0" smtClean="0"/>
+              <a:t> - это излучение энергии.</a:t>
+            </a:r>
+          </a:p>
+          <a:p>
+            <a:endParaRPr lang="ru-RU" dirty="0" smtClean="0"/>
+          </a:p>
+          <a:p>
+            <a:endParaRPr lang="ru-RU" dirty="0"/>
+          </a:p>
+        </p:txBody>
+      </p:sp>
+    </p:spTree>
+  </p:cSld>
+  <p:clrMapOvr>
+    <a:masterClrMapping/>
+  </p:clrMapOvr>
+</p:sld>
+</file>
+
+<file path=ppt/slides/slide5.xml><?xml version="1.0" encoding="utf-8"?>
+<p:sld xmlns:a="http://schemas.openxmlformats.org/drawingml/2006/main" xmlns:r="http://schemas.openxmlformats.org/officeDocument/2006/relationships" xmlns:p="http://schemas.openxmlformats.org/presentationml/2006/main">
+  <p:cSld>
+    <p:spTree>
+      <p:nvGrpSpPr>
+        <p:cNvPr id="1" name=""/>
+        <p:cNvGrpSpPr/>
+        <p:nvPr/>
+      </p:nvGrpSpPr>
+      <p:grpSpPr>
+        <a:xfrm>
+          <a:off x="0" y="0"/>
+          <a:ext cx="0" cy="0"/>
+          <a:chOff x="0" y="0"/>
+          <a:chExt cx="0" cy="0"/>
+        </a:xfrm>
+      </p:grpSpPr>
+      <p:sp>
+        <p:nvSpPr>
+          <p:cNvPr id="2" name="Заголовок 1"/>
+          <p:cNvSpPr>
+            <a:spLocks noGrp="1"/>
+          </p:cNvSpPr>
+          <p:nvPr>
+            <p:ph type="title"/>
+          </p:nvPr>
+        </p:nvSpPr>
+        <p:spPr/>
+        <p:txBody>
+          <a:bodyPr>
+            <a:normAutofit/>
+          </a:bodyPr>
+          <a:lstStyle/>
+          <a:p>
+            <a:r>
+              <a:rPr lang="ru-RU" dirty="0" smtClean="0"/>
+              <a:t>Альфа </a:t>
+            </a:r>
+            <a:r>
+              <a:rPr lang="ru-RU" dirty="0" smtClean="0"/>
+              <a:t>излучение</a:t>
+            </a:r>
+            <a:endParaRPr lang="ru-RU" dirty="0"/>
+          </a:p>
+        </p:txBody>
+      </p:sp>
+      <p:sp>
+        <p:nvSpPr>
+          <p:cNvPr id="3" name="Содержимое 2"/>
+          <p:cNvSpPr>
+            <a:spLocks noGrp="1"/>
+          </p:cNvSpPr>
+          <p:nvPr>
+            <p:ph idx="1"/>
+          </p:nvPr>
+        </p:nvSpPr>
+        <p:spPr/>
+        <p:txBody>
+          <a:bodyPr/>
+          <a:lstStyle/>
+          <a:p>
+            <a:pPr lvl="0"/>
+            <a:r>
+              <a:rPr lang="ru-RU" dirty="0" smtClean="0"/>
+              <a:t>излучаются: два протона и два нейтрона</a:t>
+            </a:r>
+          </a:p>
+          <a:p>
+            <a:pPr lvl="0"/>
+            <a:r>
+              <a:rPr lang="ru-RU" dirty="0" smtClean="0"/>
+              <a:t>проникающая способность: низкая</a:t>
+            </a:r>
+          </a:p>
+          <a:p>
+            <a:pPr lvl="0"/>
+            <a:r>
+              <a:rPr lang="ru-RU" dirty="0" smtClean="0"/>
+              <a:t>облучение от источника: до 10 см</a:t>
+            </a:r>
+          </a:p>
+          <a:p>
+            <a:endParaRPr lang="ru-RU" dirty="0"/>
+          </a:p>
+        </p:txBody>
+      </p:sp>
+      <p:pic>
+        <p:nvPicPr>
+          <p:cNvPr id="1026" name="Picture 2" descr="D:\#1\alfa_radiation.png"/>
+          <p:cNvPicPr>
+            <a:picLocks noChangeAspect="1" noChangeArrowheads="1"/>
+          </p:cNvPicPr>
+          <p:nvPr/>
+        </p:nvPicPr>
+        <p:blipFill>
+          <a:blip r:embed="rId2" cstate="print"/>
+          <a:srcRect/>
+          <a:stretch>
+            <a:fillRect/>
+          </a:stretch>
+        </p:blipFill>
+        <p:spPr bwMode="auto">
+          <a:xfrm>
+            <a:off x="3563888" y="2996952"/>
+            <a:ext cx="4665232" cy="3168352"/>
+          </a:xfrm>
+          <a:prstGeom prst="rect">
+            <a:avLst/>
+          </a:prstGeom>
+          <a:noFill/>
+        </p:spPr>
+      </p:pic>
+    </p:spTree>
+  </p:cSld>
+  <p:clrMapOvr>
+    <a:masterClrMapping/>
+  </p:clrMapOvr>
+</p:sld>
+</file>
+
+<file path=ppt/slides/slide6.xml><?xml version="1.0" encoding="utf-8"?>
+<p:sld xmlns:a="http://schemas.openxmlformats.org/drawingml/2006/main" xmlns:r="http://schemas.openxmlformats.org/officeDocument/2006/relationships" xmlns:p="http://schemas.openxmlformats.org/presentationml/2006/main">
+  <p:cSld>
+    <p:spTree>
+      <p:nvGrpSpPr>
+        <p:cNvPr id="1" name=""/>
+        <p:cNvGrpSpPr/>
+        <p:nvPr/>
+      </p:nvGrpSpPr>
+      <p:grpSpPr>
+        <a:xfrm>
+          <a:off x="0" y="0"/>
+          <a:ext cx="0" cy="0"/>
+          <a:chOff x="0" y="0"/>
+          <a:chExt cx="0" cy="0"/>
+        </a:xfrm>
+      </p:grpSpPr>
+      <p:sp>
+        <p:nvSpPr>
+          <p:cNvPr id="2" name="Заголовок 1"/>
+          <p:cNvSpPr>
+            <a:spLocks noGrp="1"/>
+          </p:cNvSpPr>
+          <p:nvPr>
+            <p:ph type="title"/>
+          </p:nvPr>
+        </p:nvSpPr>
+        <p:spPr/>
+        <p:txBody>
+          <a:bodyPr/>
+          <a:lstStyle/>
+          <a:p>
+            <a:r>
+              <a:rPr lang="ru-RU" dirty="0" smtClean="0"/>
+              <a:t>Нейтронное излучение</a:t>
+            </a:r>
+            <a:endParaRPr lang="ru-RU" dirty="0"/>
+          </a:p>
+        </p:txBody>
+      </p:sp>
+      <p:sp>
+        <p:nvSpPr>
+          <p:cNvPr id="3" name="Содержимое 2"/>
+          <p:cNvSpPr>
+            <a:spLocks noGrp="1"/>
+          </p:cNvSpPr>
+          <p:nvPr>
+            <p:ph idx="1"/>
+          </p:nvPr>
+        </p:nvSpPr>
+        <p:spPr/>
+        <p:txBody>
+          <a:bodyPr/>
+          <a:lstStyle/>
+          <a:p>
+            <a:pPr lvl="0"/>
+            <a:r>
+              <a:rPr lang="ru-RU" dirty="0" smtClean="0"/>
+              <a:t>излучаются: нейтроны</a:t>
+            </a:r>
+          </a:p>
+          <a:p>
+            <a:pPr lvl="0"/>
+            <a:r>
+              <a:rPr lang="ru-RU" dirty="0" smtClean="0"/>
+              <a:t>проникающая способность: высокая</a:t>
+            </a:r>
+          </a:p>
+          <a:p>
+            <a:pPr lvl="0"/>
+            <a:r>
+              <a:rPr lang="ru-RU" dirty="0" smtClean="0"/>
+              <a:t>облучение от источника: километры</a:t>
+            </a:r>
+          </a:p>
+          <a:p>
+            <a:endParaRPr lang="ru-RU" dirty="0"/>
+          </a:p>
+        </p:txBody>
+      </p:sp>
+      <p:pic>
+        <p:nvPicPr>
+          <p:cNvPr id="2050" name="Picture 2" descr="D:\#1\neutron_radiation.png"/>
+          <p:cNvPicPr>
+            <a:picLocks noChangeAspect="1" noChangeArrowheads="1"/>
+          </p:cNvPicPr>
+          <p:nvPr/>
+        </p:nvPicPr>
+        <p:blipFill>
+          <a:blip r:embed="rId2" cstate="print"/>
+          <a:srcRect/>
+          <a:stretch>
+            <a:fillRect/>
+          </a:stretch>
+        </p:blipFill>
+        <p:spPr bwMode="auto">
+          <a:xfrm>
+            <a:off x="3146314" y="3429000"/>
+            <a:ext cx="4306006" cy="2880320"/>
+          </a:xfrm>
+          <a:prstGeom prst="rect">
+            <a:avLst/>
+          </a:prstGeom>
+          <a:noFill/>
+        </p:spPr>
+      </p:pic>
+    </p:spTree>
+  </p:cSld>
+  <p:clrMapOvr>
+    <a:masterClrMapping/>
+  </p:clrMapOvr>
+</p:sld>
+</file>
+
+<file path=ppt/slides/slide7.xml><?xml version="1.0" encoding="utf-8"?>
+<p:sld xmlns:a="http://schemas.openxmlformats.org/drawingml/2006/main" xmlns:r="http://schemas.openxmlformats.org/officeDocument/2006/relationships" xmlns:p="http://schemas.openxmlformats.org/presentationml/2006/main">
+  <p:cSld>
+    <p:spTree>
+      <p:nvGrpSpPr>
+        <p:cNvPr id="1" name=""/>
+        <p:cNvGrpSpPr/>
+        <p:nvPr/>
+      </p:nvGrpSpPr>
+      <p:grpSpPr>
+        <a:xfrm>
+          <a:off x="0" y="0"/>
+          <a:ext cx="0" cy="0"/>
+          <a:chOff x="0" y="0"/>
+          <a:chExt cx="0" cy="0"/>
+        </a:xfrm>
+      </p:grpSpPr>
+      <p:sp>
+        <p:nvSpPr>
+          <p:cNvPr id="2" name="Заголовок 1"/>
+          <p:cNvSpPr>
+            <a:spLocks noGrp="1"/>
+          </p:cNvSpPr>
+          <p:nvPr>
+            <p:ph type="title"/>
+          </p:nvPr>
+        </p:nvSpPr>
+        <p:spPr/>
+        <p:txBody>
+          <a:bodyPr/>
+          <a:lstStyle/>
+          <a:p>
+            <a:r>
+              <a:rPr lang="ru-RU" dirty="0" smtClean="0"/>
+              <a:t>Бета излучение</a:t>
+            </a:r>
+            <a:endParaRPr lang="ru-RU" dirty="0"/>
+          </a:p>
+        </p:txBody>
+      </p:sp>
+      <p:sp>
+        <p:nvSpPr>
+          <p:cNvPr id="3" name="Содержимое 2"/>
+          <p:cNvSpPr>
+            <a:spLocks noGrp="1"/>
+          </p:cNvSpPr>
+          <p:nvPr>
+            <p:ph idx="1"/>
+          </p:nvPr>
+        </p:nvSpPr>
+        <p:spPr/>
+        <p:txBody>
+          <a:bodyPr/>
+          <a:lstStyle/>
+          <a:p>
+            <a:pPr lvl="0"/>
+            <a:r>
+              <a:rPr lang="ru-RU" dirty="0" smtClean="0"/>
+              <a:t>излучаются: электроны или позитроны</a:t>
+            </a:r>
+          </a:p>
+          <a:p>
+            <a:pPr lvl="0"/>
+            <a:r>
+              <a:rPr lang="ru-RU" dirty="0" smtClean="0"/>
+              <a:t>проникающая способность: средняя</a:t>
+            </a:r>
+          </a:p>
+          <a:p>
+            <a:pPr lvl="0"/>
+            <a:r>
+              <a:rPr lang="ru-RU" dirty="0" smtClean="0"/>
+              <a:t>облучение от источника: до 20 м</a:t>
+            </a:r>
+          </a:p>
+          <a:p>
+            <a:endParaRPr lang="ru-RU" dirty="0"/>
+          </a:p>
+        </p:txBody>
+      </p:sp>
+      <p:pic>
+        <p:nvPicPr>
+          <p:cNvPr id="5" name="Рисунок 4" descr="бета излучение"/>
+          <p:cNvPicPr/>
+          <p:nvPr/>
+        </p:nvPicPr>
+        <p:blipFill>
+          <a:blip r:embed="rId2" cstate="print"/>
+          <a:srcRect/>
+          <a:stretch>
+            <a:fillRect/>
+          </a:stretch>
+        </p:blipFill>
+        <p:spPr bwMode="auto">
+          <a:xfrm>
+            <a:off x="3059832" y="3573016"/>
+            <a:ext cx="3600400" cy="2664296"/>
+          </a:xfrm>
+          <a:prstGeom prst="rect">
+            <a:avLst/>
+          </a:prstGeom>
+          <a:noFill/>
+          <a:ln w="9525">
+            <a:noFill/>
+            <a:miter lim="800000"/>
+            <a:headEnd/>
+            <a:tailEnd/>
+          </a:ln>
+        </p:spPr>
+      </p:pic>
+    </p:spTree>
+  </p:cSld>
+  <p:clrMapOvr>
+    <a:masterClrMapping/>
+  </p:clrMapOvr>
+</p:sld>
+</file>
+
+<file path=ppt/slides/slide8.xml><?xml version="1.0" encoding="utf-8"?>
+<p:sld xmlns:a="http://schemas.openxmlformats.org/drawingml/2006/main" xmlns:r="http://schemas.openxmlformats.org/officeDocument/2006/relationships" xmlns:p="http://schemas.openxmlformats.org/presentationml/2006/main">
+  <p:cSld>
+    <p:spTree>
+      <p:nvGrpSpPr>
+        <p:cNvPr id="1" name=""/>
+        <p:cNvGrpSpPr/>
+        <p:nvPr/>
+      </p:nvGrpSpPr>
+      <p:grpSpPr>
+        <a:xfrm>
+          <a:off x="0" y="0"/>
+          <a:ext cx="0" cy="0"/>
+          <a:chOff x="0" y="0"/>
+          <a:chExt cx="0" cy="0"/>
+        </a:xfrm>
+      </p:grpSpPr>
+      <p:sp>
+        <p:nvSpPr>
+          <p:cNvPr id="2" name="Заголовок 1"/>
+          <p:cNvSpPr>
+            <a:spLocks noGrp="1"/>
+          </p:cNvSpPr>
+          <p:nvPr>
+            <p:ph type="title"/>
+          </p:nvPr>
+        </p:nvSpPr>
+        <p:spPr/>
+        <p:txBody>
+          <a:bodyPr>
+            <a:normAutofit/>
+          </a:bodyPr>
+          <a:lstStyle/>
+          <a:p>
+            <a:r>
+              <a:rPr lang="ru-RU" dirty="0" smtClean="0"/>
+              <a:t>Гамма </a:t>
+            </a:r>
+            <a:r>
+              <a:rPr lang="ru-RU" dirty="0" smtClean="0"/>
+              <a:t>излучение</a:t>
+            </a:r>
+            <a:endParaRPr lang="ru-RU" dirty="0"/>
+          </a:p>
+        </p:txBody>
+      </p:sp>
+      <p:sp>
+        <p:nvSpPr>
+          <p:cNvPr id="3" name="Содержимое 2"/>
+          <p:cNvSpPr>
+            <a:spLocks noGrp="1"/>
+          </p:cNvSpPr>
+          <p:nvPr>
+            <p:ph idx="1"/>
+          </p:nvPr>
+        </p:nvSpPr>
+        <p:spPr/>
+        <p:txBody>
+          <a:bodyPr/>
+          <a:lstStyle/>
+          <a:p>
+            <a:pPr lvl="0"/>
+            <a:r>
+              <a:rPr lang="ru-RU" dirty="0" smtClean="0"/>
+              <a:t>излучаются: энергия в виде фотонов</a:t>
+            </a:r>
+          </a:p>
+          <a:p>
+            <a:pPr lvl="0"/>
+            <a:r>
+              <a:rPr lang="ru-RU" dirty="0" smtClean="0"/>
+              <a:t>проникающая способность: высокая</a:t>
+            </a:r>
+          </a:p>
+          <a:p>
+            <a:pPr lvl="0"/>
+            <a:r>
+              <a:rPr lang="ru-RU" dirty="0" smtClean="0"/>
+              <a:t>облучение от источника: до сотен метров</a:t>
+            </a:r>
+          </a:p>
+          <a:p>
+            <a:endParaRPr lang="ru-RU" dirty="0"/>
+          </a:p>
+        </p:txBody>
+      </p:sp>
+      <p:pic>
+        <p:nvPicPr>
+          <p:cNvPr id="4" name="Рисунок 3" descr="гамма излучение"/>
+          <p:cNvPicPr/>
+          <p:nvPr/>
+        </p:nvPicPr>
+        <p:blipFill>
+          <a:blip r:embed="rId2" cstate="print"/>
+          <a:srcRect/>
+          <a:stretch>
+            <a:fillRect/>
+          </a:stretch>
+        </p:blipFill>
+        <p:spPr bwMode="auto">
+          <a:xfrm>
+            <a:off x="3131840" y="3645024"/>
+            <a:ext cx="4536504" cy="2448272"/>
+          </a:xfrm>
+          <a:prstGeom prst="rect">
+            <a:avLst/>
+          </a:prstGeom>
+          <a:noFill/>
+          <a:ln w="9525">
+            <a:noFill/>
+            <a:miter lim="800000"/>
+            <a:headEnd/>
+            <a:tailEnd/>
+          </a:ln>
+        </p:spPr>
+      </p:pic>
+    </p:spTree>
+  </p:cSld>
+  <p:clrMapOvr>
+    <a:masterClrMapping/>
+  </p:clrMapOvr>
+</p:sld>
+</file>
+
+<file path=ppt/slides/slide9.xml><?xml version="1.0" encoding="utf-8"?>
+<p:sld xmlns:a="http://schemas.openxmlformats.org/drawingml/2006/main" xmlns:r="http://schemas.openxmlformats.org/officeDocument/2006/relationships" xmlns:p="http://schemas.openxmlformats.org/presentationml/2006/main">
+  <p:cSld>
+    <p:spTree>
+      <p:nvGrpSpPr>
+        <p:cNvPr id="1" name=""/>
+        <p:cNvGrpSpPr/>
+        <p:nvPr/>
+      </p:nvGrpSpPr>
+      <p:grpSpPr>
+        <a:xfrm>
+          <a:off x="0" y="0"/>
+          <a:ext cx="0" cy="0"/>
+          <a:chOff x="0" y="0"/>
+          <a:chExt cx="0" cy="0"/>
+        </a:xfrm>
+      </p:grpSpPr>
+      <p:pic>
+        <p:nvPicPr>
+          <p:cNvPr id="3075" name="Picture 3" descr="D:\#1\i.jpg"/>
+          <p:cNvPicPr>
+            <a:picLocks noChangeAspect="1" noChangeArrowheads="1"/>
+          </p:cNvPicPr>
+          <p:nvPr/>
+        </p:nvPicPr>
+        <p:blipFill>
+          <a:blip r:embed="rId2" cstate="print"/>
+          <a:srcRect/>
+          <a:stretch>
+            <a:fillRect/>
+          </a:stretch>
+        </p:blipFill>
+        <p:spPr bwMode="auto">
+          <a:xfrm>
+            <a:off x="2376264" y="3573016"/>
+            <a:ext cx="4572000" cy="2924175"/>
+          </a:xfrm>
+          <a:prstGeom prst="rect">
+            <a:avLst/>
+          </a:prstGeom>
+          <a:noFill/>
+        </p:spPr>
+      </p:pic>
+      <p:sp>
+        <p:nvSpPr>
+          <p:cNvPr id="2" name="Заголовок 1"/>
+          <p:cNvSpPr>
+            <a:spLocks noGrp="1"/>
+          </p:cNvSpPr>
+          <p:nvPr>
+            <p:ph type="title"/>
+          </p:nvPr>
+        </p:nvSpPr>
+        <p:spPr/>
+        <p:txBody>
+          <a:bodyPr>
+            <a:normAutofit/>
+          </a:bodyPr>
+          <a:lstStyle/>
+          <a:p>
+            <a:r>
+              <a:rPr lang="ru-RU" dirty="0" smtClean="0"/>
+              <a:t>Рентгеновское </a:t>
+            </a:r>
+            <a:r>
+              <a:rPr lang="ru-RU" dirty="0" smtClean="0"/>
+              <a:t>излучение</a:t>
+            </a:r>
+            <a:endParaRPr lang="ru-RU" dirty="0"/>
+          </a:p>
+        </p:txBody>
+      </p:sp>
+      <p:sp>
+        <p:nvSpPr>
+          <p:cNvPr id="3" name="Содержимое 2"/>
+          <p:cNvSpPr>
+            <a:spLocks noGrp="1"/>
+          </p:cNvSpPr>
+          <p:nvPr>
+            <p:ph idx="1"/>
+          </p:nvPr>
+        </p:nvSpPr>
+        <p:spPr/>
+        <p:txBody>
+          <a:bodyPr/>
+          <a:lstStyle/>
+          <a:p>
+            <a:pPr lvl="0"/>
+            <a:r>
+              <a:rPr lang="ru-RU" dirty="0" smtClean="0"/>
+              <a:t>излучаются: энергия в виде фотонов</a:t>
+            </a:r>
+          </a:p>
+          <a:p>
+            <a:pPr lvl="0"/>
+            <a:r>
+              <a:rPr lang="ru-RU" dirty="0" smtClean="0"/>
+              <a:t>проникающая способность</a:t>
+            </a:r>
+            <a:r>
+              <a:rPr lang="ru-RU" dirty="0" smtClean="0"/>
+              <a:t>: высокая</a:t>
+            </a:r>
+            <a:endParaRPr lang="ru-RU" dirty="0" smtClean="0"/>
+          </a:p>
+          <a:p>
+            <a:pPr lvl="0"/>
+            <a:r>
+              <a:rPr lang="ru-RU" dirty="0" smtClean="0"/>
+              <a:t>облучение от источника: до сотен метров</a:t>
+            </a:r>
+          </a:p>
+          <a:p>
             <a:endParaRPr lang="ru-RU" dirty="0"/>
           </a:p>
         </p:txBody>
